--- a/Cource_work/Призентація.pptx
+++ b/Cource_work/Призентація.pptx
@@ -219,7 +219,7 @@
           <a:p>
             <a:fld id="{3588D0DF-48D5-4684-8096-31748A7D21F7}" type="datetimeFigureOut">
               <a:rPr lang="ru-RU" smtClean="0"/>
-              <a:t>16.05.2019</a:t>
+              <a:t>05.01.2021</a:t>
             </a:fld>
             <a:endParaRPr lang="ru-RU"/>
           </a:p>
@@ -344,10 +344,9 @@
           </a:lstStyle>
           <a:p>
             <a:r>
-              <a:rPr lang="ru-RU" smtClean="0"/>
+              <a:rPr lang="ru-RU"/>
               <a:t>Образец заголовка</a:t>
             </a:r>
-            <a:endParaRPr lang="ru-RU"/>
           </a:p>
         </p:txBody>
       </p:sp>
@@ -409,10 +408,9 @@
           </a:lstStyle>
           <a:p>
             <a:r>
-              <a:rPr lang="ru-RU" smtClean="0"/>
+              <a:rPr lang="ru-RU"/>
               <a:t>Образец подзаголовка</a:t>
             </a:r>
-            <a:endParaRPr lang="ru-RU"/>
           </a:p>
         </p:txBody>
       </p:sp>
@@ -433,7 +431,7 @@
           <a:p>
             <a:fld id="{820BB889-9D34-4BBB-8EBF-7B432ADE08F0}" type="datetimeFigureOut">
               <a:rPr lang="ru-RU" smtClean="0"/>
-              <a:t>16.05.2019</a:t>
+              <a:t>05.01.2021</a:t>
             </a:fld>
             <a:endParaRPr lang="ru-RU"/>
           </a:p>
@@ -491,13 +489,6 @@
   <p:clrMapOvr>
     <a:masterClrMapping/>
   </p:clrMapOvr>
-  <p:timing>
-    <p:tnLst>
-      <p:par>
-        <p:cTn id="1" dur="indefinite" restart="never" nodeType="tmRoot"/>
-      </p:par>
-    </p:tnLst>
-  </p:timing>
 </p:sldLayout>
 </file>
 
@@ -534,10 +525,9 @@
           <a:lstStyle/>
           <a:p>
             <a:r>
-              <a:rPr lang="ru-RU" smtClean="0"/>
+              <a:rPr lang="ru-RU"/>
               <a:t>Образец заголовка</a:t>
             </a:r>
-            <a:endParaRPr lang="ru-RU"/>
           </a:p>
         </p:txBody>
       </p:sp>
@@ -558,38 +548,37 @@
           <a:p>
             <a:pPr lvl="0"/>
             <a:r>
-              <a:rPr lang="ru-RU" smtClean="0"/>
+              <a:rPr lang="ru-RU"/>
               <a:t>Образец текста</a:t>
             </a:r>
           </a:p>
           <a:p>
             <a:pPr lvl="1"/>
             <a:r>
-              <a:rPr lang="ru-RU" smtClean="0"/>
+              <a:rPr lang="ru-RU"/>
               <a:t>Второй уровень</a:t>
             </a:r>
           </a:p>
           <a:p>
             <a:pPr lvl="2"/>
             <a:r>
-              <a:rPr lang="ru-RU" smtClean="0"/>
+              <a:rPr lang="ru-RU"/>
               <a:t>Третий уровень</a:t>
             </a:r>
           </a:p>
           <a:p>
             <a:pPr lvl="3"/>
             <a:r>
-              <a:rPr lang="ru-RU" smtClean="0"/>
+              <a:rPr lang="ru-RU"/>
               <a:t>Четвертый уровень</a:t>
             </a:r>
           </a:p>
           <a:p>
             <a:pPr lvl="4"/>
             <a:r>
-              <a:rPr lang="ru-RU" smtClean="0"/>
+              <a:rPr lang="ru-RU"/>
               <a:t>Пятый уровень</a:t>
             </a:r>
-            <a:endParaRPr lang="ru-RU"/>
           </a:p>
         </p:txBody>
       </p:sp>
@@ -610,7 +599,7 @@
           <a:p>
             <a:fld id="{820BB889-9D34-4BBB-8EBF-7B432ADE08F0}" type="datetimeFigureOut">
               <a:rPr lang="ru-RU" smtClean="0"/>
-              <a:t>16.05.2019</a:t>
+              <a:t>05.01.2021</a:t>
             </a:fld>
             <a:endParaRPr lang="ru-RU"/>
           </a:p>
@@ -709,10 +698,9 @@
           <a:lstStyle/>
           <a:p>
             <a:r>
-              <a:rPr lang="ru-RU" smtClean="0"/>
+              <a:rPr lang="ru-RU"/>
               <a:t>Образец заголовка</a:t>
             </a:r>
-            <a:endParaRPr lang="ru-RU"/>
           </a:p>
         </p:txBody>
       </p:sp>
@@ -738,38 +726,37 @@
           <a:p>
             <a:pPr lvl="0"/>
             <a:r>
-              <a:rPr lang="ru-RU" smtClean="0"/>
+              <a:rPr lang="ru-RU"/>
               <a:t>Образец текста</a:t>
             </a:r>
           </a:p>
           <a:p>
             <a:pPr lvl="1"/>
             <a:r>
-              <a:rPr lang="ru-RU" smtClean="0"/>
+              <a:rPr lang="ru-RU"/>
               <a:t>Второй уровень</a:t>
             </a:r>
           </a:p>
           <a:p>
             <a:pPr lvl="2"/>
             <a:r>
-              <a:rPr lang="ru-RU" smtClean="0"/>
+              <a:rPr lang="ru-RU"/>
               <a:t>Третий уровень</a:t>
             </a:r>
           </a:p>
           <a:p>
             <a:pPr lvl="3"/>
             <a:r>
-              <a:rPr lang="ru-RU" smtClean="0"/>
+              <a:rPr lang="ru-RU"/>
               <a:t>Четвертый уровень</a:t>
             </a:r>
           </a:p>
           <a:p>
             <a:pPr lvl="4"/>
             <a:r>
-              <a:rPr lang="ru-RU" smtClean="0"/>
+              <a:rPr lang="ru-RU"/>
               <a:t>Пятый уровень</a:t>
             </a:r>
-            <a:endParaRPr lang="ru-RU"/>
           </a:p>
         </p:txBody>
       </p:sp>
@@ -790,7 +777,7 @@
           <a:p>
             <a:fld id="{820BB889-9D34-4BBB-8EBF-7B432ADE08F0}" type="datetimeFigureOut">
               <a:rPr lang="ru-RU" smtClean="0"/>
-              <a:t>16.05.2019</a:t>
+              <a:t>05.01.2021</a:t>
             </a:fld>
             <a:endParaRPr lang="ru-RU"/>
           </a:p>
@@ -884,10 +871,9 @@
           <a:lstStyle/>
           <a:p>
             <a:r>
-              <a:rPr lang="ru-RU" smtClean="0"/>
+              <a:rPr lang="ru-RU"/>
               <a:t>Образец заголовка</a:t>
             </a:r>
-            <a:endParaRPr lang="ru-RU"/>
           </a:p>
         </p:txBody>
       </p:sp>
@@ -908,38 +894,37 @@
           <a:p>
             <a:pPr lvl="0"/>
             <a:r>
-              <a:rPr lang="ru-RU" smtClean="0"/>
+              <a:rPr lang="ru-RU"/>
               <a:t>Образец текста</a:t>
             </a:r>
           </a:p>
           <a:p>
             <a:pPr lvl="1"/>
             <a:r>
-              <a:rPr lang="ru-RU" smtClean="0"/>
+              <a:rPr lang="ru-RU"/>
               <a:t>Второй уровень</a:t>
             </a:r>
           </a:p>
           <a:p>
             <a:pPr lvl="2"/>
             <a:r>
-              <a:rPr lang="ru-RU" smtClean="0"/>
+              <a:rPr lang="ru-RU"/>
               <a:t>Третий уровень</a:t>
             </a:r>
           </a:p>
           <a:p>
             <a:pPr lvl="3"/>
             <a:r>
-              <a:rPr lang="ru-RU" smtClean="0"/>
+              <a:rPr lang="ru-RU"/>
               <a:t>Четвертый уровень</a:t>
             </a:r>
           </a:p>
           <a:p>
             <a:pPr lvl="4"/>
             <a:r>
-              <a:rPr lang="ru-RU" smtClean="0"/>
+              <a:rPr lang="ru-RU"/>
               <a:t>Пятый уровень</a:t>
             </a:r>
-            <a:endParaRPr lang="ru-RU"/>
           </a:p>
         </p:txBody>
       </p:sp>
@@ -960,7 +945,7 @@
           <a:p>
             <a:fld id="{820BB889-9D34-4BBB-8EBF-7B432ADE08F0}" type="datetimeFigureOut">
               <a:rPr lang="ru-RU" smtClean="0"/>
-              <a:t>16.05.2019</a:t>
+              <a:t>05.01.2021</a:t>
             </a:fld>
             <a:endParaRPr lang="ru-RU"/>
           </a:p>
@@ -1018,13 +1003,6 @@
   <p:clrMapOvr>
     <a:masterClrMapping/>
   </p:clrMapOvr>
-  <p:timing>
-    <p:tnLst>
-      <p:par>
-        <p:cTn id="1" dur="indefinite" restart="never" nodeType="tmRoot"/>
-      </p:par>
-    </p:tnLst>
-  </p:timing>
 </p:sldLayout>
 </file>
 
@@ -1070,10 +1048,9 @@
           </a:lstStyle>
           <a:p>
             <a:r>
-              <a:rPr lang="ru-RU" smtClean="0"/>
+              <a:rPr lang="ru-RU"/>
               <a:t>Образец заголовка</a:t>
             </a:r>
-            <a:endParaRPr lang="ru-RU"/>
           </a:p>
         </p:txBody>
       </p:sp>
@@ -1190,7 +1167,7 @@
           <a:p>
             <a:pPr lvl="0"/>
             <a:r>
-              <a:rPr lang="ru-RU" smtClean="0"/>
+              <a:rPr lang="ru-RU"/>
               <a:t>Образец текста</a:t>
             </a:r>
           </a:p>
@@ -1213,7 +1190,7 @@
           <a:p>
             <a:fld id="{820BB889-9D34-4BBB-8EBF-7B432ADE08F0}" type="datetimeFigureOut">
               <a:rPr lang="ru-RU" smtClean="0"/>
-              <a:t>16.05.2019</a:t>
+              <a:t>05.01.2021</a:t>
             </a:fld>
             <a:endParaRPr lang="ru-RU"/>
           </a:p>
@@ -1307,10 +1284,9 @@
           <a:lstStyle/>
           <a:p>
             <a:r>
-              <a:rPr lang="ru-RU" smtClean="0"/>
+              <a:rPr lang="ru-RU"/>
               <a:t>Образец заголовка</a:t>
             </a:r>
-            <a:endParaRPr lang="ru-RU"/>
           </a:p>
         </p:txBody>
       </p:sp>
@@ -1336,38 +1312,37 @@
           <a:p>
             <a:pPr lvl="0"/>
             <a:r>
-              <a:rPr lang="ru-RU" smtClean="0"/>
+              <a:rPr lang="ru-RU"/>
               <a:t>Образец текста</a:t>
             </a:r>
           </a:p>
           <a:p>
             <a:pPr lvl="1"/>
             <a:r>
-              <a:rPr lang="ru-RU" smtClean="0"/>
+              <a:rPr lang="ru-RU"/>
               <a:t>Второй уровень</a:t>
             </a:r>
           </a:p>
           <a:p>
             <a:pPr lvl="2"/>
             <a:r>
-              <a:rPr lang="ru-RU" smtClean="0"/>
+              <a:rPr lang="ru-RU"/>
               <a:t>Третий уровень</a:t>
             </a:r>
           </a:p>
           <a:p>
             <a:pPr lvl="3"/>
             <a:r>
-              <a:rPr lang="ru-RU" smtClean="0"/>
+              <a:rPr lang="ru-RU"/>
               <a:t>Четвертый уровень</a:t>
             </a:r>
           </a:p>
           <a:p>
             <a:pPr lvl="4"/>
             <a:r>
-              <a:rPr lang="ru-RU" smtClean="0"/>
+              <a:rPr lang="ru-RU"/>
               <a:t>Пятый уровень</a:t>
             </a:r>
-            <a:endParaRPr lang="ru-RU"/>
           </a:p>
         </p:txBody>
       </p:sp>
@@ -1393,38 +1368,37 @@
           <a:p>
             <a:pPr lvl="0"/>
             <a:r>
-              <a:rPr lang="ru-RU" smtClean="0"/>
+              <a:rPr lang="ru-RU"/>
               <a:t>Образец текста</a:t>
             </a:r>
           </a:p>
           <a:p>
             <a:pPr lvl="1"/>
             <a:r>
-              <a:rPr lang="ru-RU" smtClean="0"/>
+              <a:rPr lang="ru-RU"/>
               <a:t>Второй уровень</a:t>
             </a:r>
           </a:p>
           <a:p>
             <a:pPr lvl="2"/>
             <a:r>
-              <a:rPr lang="ru-RU" smtClean="0"/>
+              <a:rPr lang="ru-RU"/>
               <a:t>Третий уровень</a:t>
             </a:r>
           </a:p>
           <a:p>
             <a:pPr lvl="3"/>
             <a:r>
-              <a:rPr lang="ru-RU" smtClean="0"/>
+              <a:rPr lang="ru-RU"/>
               <a:t>Четвертый уровень</a:t>
             </a:r>
           </a:p>
           <a:p>
             <a:pPr lvl="4"/>
             <a:r>
-              <a:rPr lang="ru-RU" smtClean="0"/>
+              <a:rPr lang="ru-RU"/>
               <a:t>Пятый уровень</a:t>
             </a:r>
-            <a:endParaRPr lang="ru-RU"/>
           </a:p>
         </p:txBody>
       </p:sp>
@@ -1445,7 +1419,7 @@
           <a:p>
             <a:fld id="{820BB889-9D34-4BBB-8EBF-7B432ADE08F0}" type="datetimeFigureOut">
               <a:rPr lang="ru-RU" smtClean="0"/>
-              <a:t>16.05.2019</a:t>
+              <a:t>05.01.2021</a:t>
             </a:fld>
             <a:endParaRPr lang="ru-RU"/>
           </a:p>
@@ -1544,10 +1518,9 @@
           <a:lstStyle/>
           <a:p>
             <a:r>
-              <a:rPr lang="ru-RU" smtClean="0"/>
+              <a:rPr lang="ru-RU"/>
               <a:t>Образец заголовка</a:t>
             </a:r>
-            <a:endParaRPr lang="ru-RU"/>
           </a:p>
         </p:txBody>
       </p:sp>
@@ -1610,7 +1583,7 @@
           <a:p>
             <a:pPr lvl="0"/>
             <a:r>
-              <a:rPr lang="ru-RU" smtClean="0"/>
+              <a:rPr lang="ru-RU"/>
               <a:t>Образец текста</a:t>
             </a:r>
           </a:p>
@@ -1638,38 +1611,37 @@
           <a:p>
             <a:pPr lvl="0"/>
             <a:r>
-              <a:rPr lang="ru-RU" smtClean="0"/>
+              <a:rPr lang="ru-RU"/>
               <a:t>Образец текста</a:t>
             </a:r>
           </a:p>
           <a:p>
             <a:pPr lvl="1"/>
             <a:r>
-              <a:rPr lang="ru-RU" smtClean="0"/>
+              <a:rPr lang="ru-RU"/>
               <a:t>Второй уровень</a:t>
             </a:r>
           </a:p>
           <a:p>
             <a:pPr lvl="2"/>
             <a:r>
-              <a:rPr lang="ru-RU" smtClean="0"/>
+              <a:rPr lang="ru-RU"/>
               <a:t>Третий уровень</a:t>
             </a:r>
           </a:p>
           <a:p>
             <a:pPr lvl="3"/>
             <a:r>
-              <a:rPr lang="ru-RU" smtClean="0"/>
+              <a:rPr lang="ru-RU"/>
               <a:t>Четвертый уровень</a:t>
             </a:r>
           </a:p>
           <a:p>
             <a:pPr lvl="4"/>
             <a:r>
-              <a:rPr lang="ru-RU" smtClean="0"/>
+              <a:rPr lang="ru-RU"/>
               <a:t>Пятый уровень</a:t>
             </a:r>
-            <a:endParaRPr lang="ru-RU"/>
           </a:p>
         </p:txBody>
       </p:sp>
@@ -1732,7 +1704,7 @@
           <a:p>
             <a:pPr lvl="0"/>
             <a:r>
-              <a:rPr lang="ru-RU" smtClean="0"/>
+              <a:rPr lang="ru-RU"/>
               <a:t>Образец текста</a:t>
             </a:r>
           </a:p>
@@ -1760,38 +1732,37 @@
           <a:p>
             <a:pPr lvl="0"/>
             <a:r>
-              <a:rPr lang="ru-RU" smtClean="0"/>
+              <a:rPr lang="ru-RU"/>
               <a:t>Образец текста</a:t>
             </a:r>
           </a:p>
           <a:p>
             <a:pPr lvl="1"/>
             <a:r>
-              <a:rPr lang="ru-RU" smtClean="0"/>
+              <a:rPr lang="ru-RU"/>
               <a:t>Второй уровень</a:t>
             </a:r>
           </a:p>
           <a:p>
             <a:pPr lvl="2"/>
             <a:r>
-              <a:rPr lang="ru-RU" smtClean="0"/>
+              <a:rPr lang="ru-RU"/>
               <a:t>Третий уровень</a:t>
             </a:r>
           </a:p>
           <a:p>
             <a:pPr lvl="3"/>
             <a:r>
-              <a:rPr lang="ru-RU" smtClean="0"/>
+              <a:rPr lang="ru-RU"/>
               <a:t>Четвертый уровень</a:t>
             </a:r>
           </a:p>
           <a:p>
             <a:pPr lvl="4"/>
             <a:r>
-              <a:rPr lang="ru-RU" smtClean="0"/>
+              <a:rPr lang="ru-RU"/>
               <a:t>Пятый уровень</a:t>
             </a:r>
-            <a:endParaRPr lang="ru-RU"/>
           </a:p>
         </p:txBody>
       </p:sp>
@@ -1812,7 +1783,7 @@
           <a:p>
             <a:fld id="{820BB889-9D34-4BBB-8EBF-7B432ADE08F0}" type="datetimeFigureOut">
               <a:rPr lang="ru-RU" smtClean="0"/>
-              <a:t>16.05.2019</a:t>
+              <a:t>05.01.2021</a:t>
             </a:fld>
             <a:endParaRPr lang="ru-RU"/>
           </a:p>
@@ -1906,10 +1877,9 @@
           <a:lstStyle/>
           <a:p>
             <a:r>
-              <a:rPr lang="ru-RU" smtClean="0"/>
+              <a:rPr lang="ru-RU"/>
               <a:t>Образец заголовка</a:t>
             </a:r>
-            <a:endParaRPr lang="ru-RU"/>
           </a:p>
         </p:txBody>
       </p:sp>
@@ -1930,7 +1900,7 @@
           <a:p>
             <a:fld id="{820BB889-9D34-4BBB-8EBF-7B432ADE08F0}" type="datetimeFigureOut">
               <a:rPr lang="ru-RU" smtClean="0"/>
-              <a:t>16.05.2019</a:t>
+              <a:t>05.01.2021</a:t>
             </a:fld>
             <a:endParaRPr lang="ru-RU"/>
           </a:p>
@@ -2025,7 +1995,7 @@
           <a:p>
             <a:fld id="{820BB889-9D34-4BBB-8EBF-7B432ADE08F0}" type="datetimeFigureOut">
               <a:rPr lang="ru-RU" smtClean="0"/>
-              <a:t>16.05.2019</a:t>
+              <a:t>05.01.2021</a:t>
             </a:fld>
             <a:endParaRPr lang="ru-RU"/>
           </a:p>
@@ -2128,10 +2098,9 @@
           </a:lstStyle>
           <a:p>
             <a:r>
-              <a:rPr lang="ru-RU" smtClean="0"/>
+              <a:rPr lang="ru-RU"/>
               <a:t>Образец заголовка</a:t>
             </a:r>
-            <a:endParaRPr lang="ru-RU"/>
           </a:p>
         </p:txBody>
       </p:sp>
@@ -2185,38 +2154,37 @@
           <a:p>
             <a:pPr lvl="0"/>
             <a:r>
-              <a:rPr lang="ru-RU" smtClean="0"/>
+              <a:rPr lang="ru-RU"/>
               <a:t>Образец текста</a:t>
             </a:r>
           </a:p>
           <a:p>
             <a:pPr lvl="1"/>
             <a:r>
-              <a:rPr lang="ru-RU" smtClean="0"/>
+              <a:rPr lang="ru-RU"/>
               <a:t>Второй уровень</a:t>
             </a:r>
           </a:p>
           <a:p>
             <a:pPr lvl="2"/>
             <a:r>
-              <a:rPr lang="ru-RU" smtClean="0"/>
+              <a:rPr lang="ru-RU"/>
               <a:t>Третий уровень</a:t>
             </a:r>
           </a:p>
           <a:p>
             <a:pPr lvl="3"/>
             <a:r>
-              <a:rPr lang="ru-RU" smtClean="0"/>
+              <a:rPr lang="ru-RU"/>
               <a:t>Четвертый уровень</a:t>
             </a:r>
           </a:p>
           <a:p>
             <a:pPr lvl="4"/>
             <a:r>
-              <a:rPr lang="ru-RU" smtClean="0"/>
+              <a:rPr lang="ru-RU"/>
               <a:t>Пятый уровень</a:t>
             </a:r>
-            <a:endParaRPr lang="ru-RU"/>
           </a:p>
         </p:txBody>
       </p:sp>
@@ -2279,7 +2247,7 @@
           <a:p>
             <a:pPr lvl="0"/>
             <a:r>
-              <a:rPr lang="ru-RU" smtClean="0"/>
+              <a:rPr lang="ru-RU"/>
               <a:t>Образец текста</a:t>
             </a:r>
           </a:p>
@@ -2302,7 +2270,7 @@
           <a:p>
             <a:fld id="{820BB889-9D34-4BBB-8EBF-7B432ADE08F0}" type="datetimeFigureOut">
               <a:rPr lang="ru-RU" smtClean="0"/>
-              <a:t>16.05.2019</a:t>
+              <a:t>05.01.2021</a:t>
             </a:fld>
             <a:endParaRPr lang="ru-RU"/>
           </a:p>
@@ -2405,10 +2373,9 @@
           </a:lstStyle>
           <a:p>
             <a:r>
-              <a:rPr lang="ru-RU" smtClean="0"/>
+              <a:rPr lang="ru-RU"/>
               <a:t>Образец заголовка</a:t>
             </a:r>
-            <a:endParaRPr lang="ru-RU"/>
           </a:p>
         </p:txBody>
       </p:sp>
@@ -2532,7 +2499,7 @@
           <a:p>
             <a:pPr lvl="0"/>
             <a:r>
-              <a:rPr lang="ru-RU" smtClean="0"/>
+              <a:rPr lang="ru-RU"/>
               <a:t>Образец текста</a:t>
             </a:r>
           </a:p>
@@ -2555,7 +2522,7 @@
           <a:p>
             <a:fld id="{820BB889-9D34-4BBB-8EBF-7B432ADE08F0}" type="datetimeFigureOut">
               <a:rPr lang="ru-RU" smtClean="0"/>
-              <a:t>16.05.2019</a:t>
+              <a:t>05.01.2021</a:t>
             </a:fld>
             <a:endParaRPr lang="ru-RU"/>
           </a:p>
@@ -2667,10 +2634,9 @@
           <a:lstStyle/>
           <a:p>
             <a:r>
-              <a:rPr lang="ru-RU" smtClean="0"/>
+              <a:rPr lang="ru-RU"/>
               <a:t>Образец заголовка</a:t>
             </a:r>
-            <a:endParaRPr lang="ru-RU"/>
           </a:p>
         </p:txBody>
       </p:sp>
@@ -2701,38 +2667,37 @@
           <a:p>
             <a:pPr lvl="0"/>
             <a:r>
-              <a:rPr lang="ru-RU" smtClean="0"/>
+              <a:rPr lang="ru-RU"/>
               <a:t>Образец текста</a:t>
             </a:r>
           </a:p>
           <a:p>
             <a:pPr lvl="1"/>
             <a:r>
-              <a:rPr lang="ru-RU" smtClean="0"/>
+              <a:rPr lang="ru-RU"/>
               <a:t>Второй уровень</a:t>
             </a:r>
           </a:p>
           <a:p>
             <a:pPr lvl="2"/>
             <a:r>
-              <a:rPr lang="ru-RU" smtClean="0"/>
+              <a:rPr lang="ru-RU"/>
               <a:t>Третий уровень</a:t>
             </a:r>
           </a:p>
           <a:p>
             <a:pPr lvl="3"/>
             <a:r>
-              <a:rPr lang="ru-RU" smtClean="0"/>
+              <a:rPr lang="ru-RU"/>
               <a:t>Четвертый уровень</a:t>
             </a:r>
           </a:p>
           <a:p>
             <a:pPr lvl="4"/>
             <a:r>
-              <a:rPr lang="ru-RU" smtClean="0"/>
+              <a:rPr lang="ru-RU"/>
               <a:t>Пятый уровень</a:t>
             </a:r>
-            <a:endParaRPr lang="ru-RU"/>
           </a:p>
         </p:txBody>
       </p:sp>
@@ -2771,7 +2736,7 @@
           <a:p>
             <a:fld id="{820BB889-9D34-4BBB-8EBF-7B432ADE08F0}" type="datetimeFigureOut">
               <a:rPr lang="ru-RU" smtClean="0"/>
-              <a:t>16.05.2019</a:t>
+              <a:t>05.01.2021</a:t>
             </a:fld>
             <a:endParaRPr lang="ru-RU"/>
           </a:p>
@@ -2907,13 +2872,6 @@
     <p:sldLayoutId id="2147483658" r:id="rId10"/>
     <p:sldLayoutId id="2147483659" r:id="rId11"/>
   </p:sldLayoutIdLst>
-  <p:timing>
-    <p:tnLst>
-      <p:par>
-        <p:cTn id="1" dur="indefinite" restart="never" nodeType="tmRoot"/>
-      </p:par>
-    </p:tnLst>
-  </p:timing>
   <p:txStyles>
     <p:titleStyle>
       <a:lvl1pPr algn="l" defTabSz="685800" rtl="0" eaLnBrk="1" latinLnBrk="0" hangingPunct="1">
@@ -3236,7 +3194,7 @@
         </p:blipFill>
         <p:spPr>
           <a:xfrm>
-            <a:off x="159171" y="105508"/>
+            <a:off x="0" y="0"/>
             <a:ext cx="9144000" cy="6858000"/>
           </a:xfrm>
           <a:prstGeom prst="rect">
@@ -3256,7 +3214,7 @@
         </p:nvSpPr>
         <p:spPr>
           <a:xfrm>
-            <a:off x="536331" y="2596204"/>
+            <a:off x="797608" y="3069523"/>
             <a:ext cx="7548784" cy="1876607"/>
           </a:xfrm>
         </p:spPr>
@@ -3281,395 +3239,12 @@
           <a:lstStyle/>
           <a:p>
             <a:r>
-              <a:rPr lang="ru-RU" sz="3200" b="1" spc="50" dirty="0" err="1">
-                <a:ln w="11430"/>
-                <a:solidFill>
-                  <a:srgbClr val="002060"/>
-                </a:solidFill>
-                <a:effectLst>
-                  <a:outerShdw blurRad="76200" dist="50800" dir="5400000" algn="tl" rotWithShape="0">
-                    <a:srgbClr val="000000">
-                      <a:alpha val="65000"/>
-                    </a:srgbClr>
-                  </a:outerShdw>
-                </a:effectLst>
-                <a:latin typeface="+mn-lt"/>
-              </a:rPr>
-              <a:t>Моделювання</a:t>
-            </a:r>
-            <a:r>
-              <a:rPr lang="ru-RU" sz="3200" b="1" spc="50" dirty="0">
-                <a:ln w="11430"/>
-                <a:solidFill>
-                  <a:srgbClr val="002060"/>
-                </a:solidFill>
-                <a:effectLst>
-                  <a:outerShdw blurRad="76200" dist="50800" dir="5400000" algn="tl" rotWithShape="0">
-                    <a:srgbClr val="000000">
-                      <a:alpha val="65000"/>
-                    </a:srgbClr>
-                  </a:outerShdw>
-                </a:effectLst>
-                <a:latin typeface="+mn-lt"/>
-              </a:rPr>
+              <a:rPr lang="uk-UA" dirty="0"/>
+              <a:t>Розробка програмного забезпечення, яке реалізує довідник для клієнтів банку на мові програмування С# з використанням принципів OOP</a:t>
+            </a:r>
+            <a:r>
+              <a:rPr lang="en-UA" sz="3200" dirty="0"/>
               <a:t> </a:t>
-            </a:r>
-            <a:r>
-              <a:rPr lang="ru-RU" sz="3200" b="1" spc="50" dirty="0" err="1">
-                <a:ln w="11430"/>
-                <a:solidFill>
-                  <a:srgbClr val="002060"/>
-                </a:solidFill>
-                <a:effectLst>
-                  <a:outerShdw blurRad="76200" dist="50800" dir="5400000" algn="tl" rotWithShape="0">
-                    <a:srgbClr val="000000">
-                      <a:alpha val="65000"/>
-                    </a:srgbClr>
-                  </a:outerShdw>
-                </a:effectLst>
-                <a:latin typeface="+mn-lt"/>
-              </a:rPr>
-              <a:t>роботи</a:t>
-            </a:r>
-            <a:r>
-              <a:rPr lang="ru-RU" sz="3200" b="1" spc="50" dirty="0">
-                <a:ln w="11430"/>
-                <a:solidFill>
-                  <a:srgbClr val="002060"/>
-                </a:solidFill>
-                <a:effectLst>
-                  <a:outerShdw blurRad="76200" dist="50800" dir="5400000" algn="tl" rotWithShape="0">
-                    <a:srgbClr val="000000">
-                      <a:alpha val="65000"/>
-                    </a:srgbClr>
-                  </a:outerShdw>
-                </a:effectLst>
-                <a:latin typeface="+mn-lt"/>
-              </a:rPr>
-              <a:t> банку «</a:t>
-            </a:r>
-            <a:r>
-              <a:rPr lang="ru-RU" sz="3200" b="1" spc="50" dirty="0" err="1">
-                <a:ln w="11430"/>
-                <a:solidFill>
-                  <a:srgbClr val="002060"/>
-                </a:solidFill>
-                <a:effectLst>
-                  <a:outerShdw blurRad="76200" dist="50800" dir="5400000" algn="tl" rotWithShape="0">
-                    <a:srgbClr val="000000">
-                      <a:alpha val="65000"/>
-                    </a:srgbClr>
-                  </a:outerShdw>
-                </a:effectLst>
-                <a:latin typeface="+mn-lt"/>
-              </a:rPr>
-              <a:t>Інтелект</a:t>
-            </a:r>
-            <a:r>
-              <a:rPr lang="ru-RU" sz="3200" b="1" spc="50" dirty="0">
-                <a:ln w="11430"/>
-                <a:solidFill>
-                  <a:srgbClr val="002060"/>
-                </a:solidFill>
-                <a:effectLst>
-                  <a:outerShdw blurRad="76200" dist="50800" dir="5400000" algn="tl" rotWithShape="0">
-                    <a:srgbClr val="000000">
-                      <a:alpha val="65000"/>
-                    </a:srgbClr>
-                  </a:outerShdw>
-                </a:effectLst>
-                <a:latin typeface="+mn-lt"/>
-              </a:rPr>
-              <a:t>», </a:t>
-            </a:r>
-            <a:r>
-              <a:rPr lang="ru-RU" sz="3200" b="1" spc="50" dirty="0" err="1">
-                <a:ln w="11430"/>
-                <a:solidFill>
-                  <a:srgbClr val="002060"/>
-                </a:solidFill>
-                <a:effectLst>
-                  <a:outerShdw blurRad="76200" dist="50800" dir="5400000" algn="tl" rotWithShape="0">
-                    <a:srgbClr val="000000">
-                      <a:alpha val="65000"/>
-                    </a:srgbClr>
-                  </a:outerShdw>
-                </a:effectLst>
-                <a:latin typeface="+mn-lt"/>
-              </a:rPr>
-              <a:t>моделювання</a:t>
-            </a:r>
-            <a:r>
-              <a:rPr lang="ru-RU" sz="3200" b="1" spc="50" dirty="0">
-                <a:ln w="11430"/>
-                <a:solidFill>
-                  <a:srgbClr val="002060"/>
-                </a:solidFill>
-                <a:effectLst>
-                  <a:outerShdw blurRad="76200" dist="50800" dir="5400000" algn="tl" rotWithShape="0">
-                    <a:srgbClr val="000000">
-                      <a:alpha val="65000"/>
-                    </a:srgbClr>
-                  </a:outerShdw>
-                </a:effectLst>
-                <a:latin typeface="+mn-lt"/>
-              </a:rPr>
-              <a:t> банкомату, </a:t>
-            </a:r>
-            <a:r>
-              <a:rPr lang="ru-RU" sz="3200" b="1" spc="50" dirty="0" err="1">
-                <a:ln w="11430"/>
-                <a:solidFill>
-                  <a:srgbClr val="002060"/>
-                </a:solidFill>
-                <a:effectLst>
-                  <a:outerShdw blurRad="76200" dist="50800" dir="5400000" algn="tl" rotWithShape="0">
-                    <a:srgbClr val="000000">
-                      <a:alpha val="65000"/>
-                    </a:srgbClr>
-                  </a:outerShdw>
-                </a:effectLst>
-                <a:latin typeface="+mn-lt"/>
-              </a:rPr>
-              <a:t>вклади</a:t>
-            </a:r>
-            <a:r>
-              <a:rPr lang="ru-RU" sz="3200" b="1" spc="50" dirty="0">
-                <a:ln w="11430"/>
-                <a:solidFill>
-                  <a:srgbClr val="002060"/>
-                </a:solidFill>
-                <a:effectLst>
-                  <a:outerShdw blurRad="76200" dist="50800" dir="5400000" algn="tl" rotWithShape="0">
-                    <a:srgbClr val="000000">
-                      <a:alpha val="65000"/>
-                    </a:srgbClr>
-                  </a:outerShdw>
-                </a:effectLst>
-                <a:latin typeface="+mn-lt"/>
-              </a:rPr>
-              <a:t> і </a:t>
-            </a:r>
-            <a:r>
-              <a:rPr lang="ru-RU" sz="3200" b="1" spc="50" dirty="0" err="1">
-                <a:ln w="11430"/>
-                <a:solidFill>
-                  <a:srgbClr val="002060"/>
-                </a:solidFill>
-                <a:effectLst>
-                  <a:outerShdw blurRad="76200" dist="50800" dir="5400000" algn="tl" rotWithShape="0">
-                    <a:srgbClr val="000000">
-                      <a:alpha val="65000"/>
-                    </a:srgbClr>
-                  </a:outerShdw>
-                </a:effectLst>
-                <a:latin typeface="+mn-lt"/>
-              </a:rPr>
-              <a:t>види</a:t>
-            </a:r>
-            <a:r>
-              <a:rPr lang="ru-RU" sz="3200" b="1" spc="50" dirty="0">
-                <a:ln w="11430"/>
-                <a:solidFill>
-                  <a:srgbClr val="002060"/>
-                </a:solidFill>
-                <a:effectLst>
-                  <a:outerShdw blurRad="76200" dist="50800" dir="5400000" algn="tl" rotWithShape="0">
-                    <a:srgbClr val="000000">
-                      <a:alpha val="65000"/>
-                    </a:srgbClr>
-                  </a:outerShdw>
-                </a:effectLst>
-                <a:latin typeface="+mn-lt"/>
-              </a:rPr>
-              <a:t> </a:t>
-            </a:r>
-            <a:r>
-              <a:rPr lang="ru-RU" sz="3200" b="1" spc="50" dirty="0" err="1">
-                <a:ln w="11430"/>
-                <a:solidFill>
-                  <a:srgbClr val="002060"/>
-                </a:solidFill>
-                <a:effectLst>
-                  <a:outerShdw blurRad="76200" dist="50800" dir="5400000" algn="tl" rotWithShape="0">
-                    <a:srgbClr val="000000">
-                      <a:alpha val="65000"/>
-                    </a:srgbClr>
-                  </a:outerShdw>
-                </a:effectLst>
-                <a:latin typeface="+mn-lt"/>
-              </a:rPr>
-              <a:t>вкладів</a:t>
-            </a:r>
-            <a:r>
-              <a:rPr lang="ru-RU" sz="3200" b="1" spc="50" dirty="0">
-                <a:ln w="11430"/>
-                <a:solidFill>
-                  <a:srgbClr val="002060"/>
-                </a:solidFill>
-                <a:effectLst>
-                  <a:outerShdw blurRad="76200" dist="50800" dir="5400000" algn="tl" rotWithShape="0">
-                    <a:srgbClr val="000000">
-                      <a:alpha val="65000"/>
-                    </a:srgbClr>
-                  </a:outerShdw>
-                </a:effectLst>
-                <a:latin typeface="+mn-lt"/>
-              </a:rPr>
-              <a:t>, </a:t>
-            </a:r>
-            <a:r>
-              <a:rPr lang="ru-RU" sz="3200" b="1" spc="50" dirty="0" err="1">
-                <a:ln w="11430"/>
-                <a:solidFill>
-                  <a:srgbClr val="002060"/>
-                </a:solidFill>
-                <a:effectLst>
-                  <a:outerShdw blurRad="76200" dist="50800" dir="5400000" algn="tl" rotWithShape="0">
-                    <a:srgbClr val="000000">
-                      <a:alpha val="65000"/>
-                    </a:srgbClr>
-                  </a:outerShdw>
-                </a:effectLst>
-                <a:latin typeface="+mn-lt"/>
-              </a:rPr>
-              <a:t>реєстр</a:t>
-            </a:r>
-            <a:r>
-              <a:rPr lang="ru-RU" sz="3200" b="1" spc="50" dirty="0">
-                <a:ln w="11430"/>
-                <a:solidFill>
-                  <a:srgbClr val="002060"/>
-                </a:solidFill>
-                <a:effectLst>
-                  <a:outerShdw blurRad="76200" dist="50800" dir="5400000" algn="tl" rotWithShape="0">
-                    <a:srgbClr val="000000">
-                      <a:alpha val="65000"/>
-                    </a:srgbClr>
-                  </a:outerShdw>
-                </a:effectLst>
-                <a:latin typeface="+mn-lt"/>
-              </a:rPr>
-              <a:t> </a:t>
-            </a:r>
-            <a:r>
-              <a:rPr lang="ru-RU" sz="3200" b="1" spc="50" dirty="0" err="1">
-                <a:ln w="11430"/>
-                <a:solidFill>
-                  <a:srgbClr val="002060"/>
-                </a:solidFill>
-                <a:effectLst>
-                  <a:outerShdw blurRad="76200" dist="50800" dir="5400000" algn="tl" rotWithShape="0">
-                    <a:srgbClr val="000000">
-                      <a:alpha val="65000"/>
-                    </a:srgbClr>
-                  </a:outerShdw>
-                </a:effectLst>
-                <a:latin typeface="+mn-lt"/>
-              </a:rPr>
-              <a:t>рахунків</a:t>
-            </a:r>
-            <a:r>
-              <a:rPr lang="ru-RU" sz="3200" b="1" spc="50" dirty="0">
-                <a:ln w="11430"/>
-                <a:solidFill>
-                  <a:srgbClr val="002060"/>
-                </a:solidFill>
-                <a:effectLst>
-                  <a:outerShdw blurRad="76200" dist="50800" dir="5400000" algn="tl" rotWithShape="0">
-                    <a:srgbClr val="000000">
-                      <a:alpha val="65000"/>
-                    </a:srgbClr>
-                  </a:outerShdw>
-                </a:effectLst>
-                <a:latin typeface="+mn-lt"/>
-              </a:rPr>
-              <a:t> </a:t>
-            </a:r>
-            <a:r>
-              <a:rPr lang="ru-RU" sz="3200" b="1" spc="50" dirty="0" err="1">
-                <a:ln w="11430"/>
-                <a:solidFill>
-                  <a:srgbClr val="002060"/>
-                </a:solidFill>
-                <a:effectLst>
-                  <a:outerShdw blurRad="76200" dist="50800" dir="5400000" algn="tl" rotWithShape="0">
-                    <a:srgbClr val="000000">
-                      <a:alpha val="65000"/>
-                    </a:srgbClr>
-                  </a:outerShdw>
-                </a:effectLst>
-                <a:latin typeface="+mn-lt"/>
-              </a:rPr>
-              <a:t>фізичних</a:t>
-            </a:r>
-            <a:r>
-              <a:rPr lang="ru-RU" sz="3200" b="1" spc="50" dirty="0">
-                <a:ln w="11430"/>
-                <a:solidFill>
-                  <a:srgbClr val="002060"/>
-                </a:solidFill>
-                <a:effectLst>
-                  <a:outerShdw blurRad="76200" dist="50800" dir="5400000" algn="tl" rotWithShape="0">
-                    <a:srgbClr val="000000">
-                      <a:alpha val="65000"/>
-                    </a:srgbClr>
-                  </a:outerShdw>
-                </a:effectLst>
-                <a:latin typeface="+mn-lt"/>
-              </a:rPr>
-              <a:t> та </a:t>
-            </a:r>
-            <a:r>
-              <a:rPr lang="ru-RU" sz="3200" b="1" spc="50" dirty="0" err="1">
-                <a:ln w="11430"/>
-                <a:solidFill>
-                  <a:srgbClr val="002060"/>
-                </a:solidFill>
-                <a:effectLst>
-                  <a:outerShdw blurRad="76200" dist="50800" dir="5400000" algn="tl" rotWithShape="0">
-                    <a:srgbClr val="000000">
-                      <a:alpha val="65000"/>
-                    </a:srgbClr>
-                  </a:outerShdw>
-                </a:effectLst>
-                <a:latin typeface="+mn-lt"/>
-              </a:rPr>
-              <a:t>юридичних</a:t>
-            </a:r>
-            <a:r>
-              <a:rPr lang="ru-RU" sz="3200" b="1" spc="50" dirty="0">
-                <a:ln w="11430"/>
-                <a:solidFill>
-                  <a:srgbClr val="002060"/>
-                </a:solidFill>
-                <a:effectLst>
-                  <a:outerShdw blurRad="76200" dist="50800" dir="5400000" algn="tl" rotWithShape="0">
-                    <a:srgbClr val="000000">
-                      <a:alpha val="65000"/>
-                    </a:srgbClr>
-                  </a:outerShdw>
-                </a:effectLst>
-                <a:latin typeface="+mn-lt"/>
-              </a:rPr>
-              <a:t> </a:t>
-            </a:r>
-            <a:r>
-              <a:rPr lang="ru-RU" sz="3200" b="1" spc="50" dirty="0" err="1">
-                <a:ln w="11430"/>
-                <a:solidFill>
-                  <a:srgbClr val="002060"/>
-                </a:solidFill>
-                <a:effectLst>
-                  <a:outerShdw blurRad="76200" dist="50800" dir="5400000" algn="tl" rotWithShape="0">
-                    <a:srgbClr val="000000">
-                      <a:alpha val="65000"/>
-                    </a:srgbClr>
-                  </a:outerShdw>
-                </a:effectLst>
-                <a:latin typeface="+mn-lt"/>
-              </a:rPr>
-              <a:t>осіб</a:t>
             </a:r>
             <a:endParaRPr lang="ru-RU" sz="3200" b="1" spc="50" dirty="0">
               <a:ln w="11430"/>
@@ -3700,8 +3275,8 @@
         </p:nvSpPr>
         <p:spPr>
           <a:xfrm>
-            <a:off x="5013683" y="5325080"/>
-            <a:ext cx="3517612" cy="485870"/>
+            <a:off x="5013682" y="5325080"/>
+            <a:ext cx="3777777" cy="485870"/>
           </a:xfrm>
         </p:spPr>
         <p:txBody>
@@ -3724,19 +3299,27 @@
             </a:r>
             <a:r>
               <a:rPr lang="ru-RU" sz="2000" dirty="0"/>
-              <a:t> Пі-162</a:t>
-            </a:r>
-          </a:p>
-          <a:p>
-            <a:r>
-              <a:rPr lang="uk-UA" sz="2000" dirty="0" err="1" smtClean="0"/>
+              <a:t> </a:t>
+            </a:r>
+            <a:r>
+              <a:rPr lang="uk-UA" dirty="0"/>
+              <a:t>ІПЗс-20-1</a:t>
+            </a:r>
+            <a:r>
+              <a:rPr lang="en-UA" sz="2000" dirty="0"/>
+              <a:t> </a:t>
+            </a:r>
+            <a:endParaRPr lang="ru-RU" sz="2000" dirty="0"/>
+          </a:p>
+          <a:p>
+            <a:r>
+              <a:rPr lang="uk-UA" sz="2000" dirty="0" err="1"/>
               <a:t>Ямборко</a:t>
             </a:r>
             <a:r>
-              <a:rPr lang="uk-UA" sz="2000" dirty="0" smtClean="0"/>
+              <a:rPr lang="uk-UA" sz="2000" dirty="0"/>
               <a:t> Дмитро</a:t>
             </a:r>
-            <a:endParaRPr lang="uk-UA" sz="2000" dirty="0"/>
           </a:p>
           <a:p>
             <a:r>
@@ -3744,12 +3327,16 @@
               <a:t>Керівник: </a:t>
             </a:r>
             <a:r>
-              <a:rPr lang="uk-UA" sz="2000" dirty="0" err="1"/>
-              <a:t>Григоровський</a:t>
-            </a:r>
-            <a:r>
-              <a:rPr lang="uk-UA" sz="2000" dirty="0"/>
-              <a:t> Є.С.</a:t>
+              <a:rPr lang="uk-UA" dirty="0"/>
+              <a:t>Н.І. </a:t>
+            </a:r>
+            <a:r>
+              <a:rPr lang="uk-UA" dirty="0" err="1"/>
+              <a:t>Праворська</a:t>
+            </a:r>
+            <a:r>
+              <a:rPr lang="en-UA" sz="2000" dirty="0"/>
+              <a:t> </a:t>
             </a:r>
             <a:endParaRPr lang="ru-RU" sz="2000" dirty="0"/>
           </a:p>
@@ -3942,7 +3529,7 @@
           </a:lstStyle>
           <a:p>
             <a:r>
-              <a:rPr lang="ru-RU" sz="2400" dirty="0" err="1" smtClean="0">
+              <a:rPr lang="ru-RU" sz="2400" dirty="0" err="1">
                 <a:ln w="0"/>
                 <a:effectLst>
                   <a:outerShdw blurRad="38100" dist="19050" dir="2700000" algn="tl" rotWithShape="0">
@@ -3955,7 +3542,7 @@
               <a:t>Курсовий</a:t>
             </a:r>
             <a:r>
-              <a:rPr lang="ru-RU" sz="2400" dirty="0" smtClean="0">
+              <a:rPr lang="ru-RU" sz="2400" dirty="0">
                 <a:ln w="0"/>
                 <a:effectLst>
                   <a:outerShdw blurRad="38100" dist="19050" dir="2700000" algn="tl" rotWithShape="0">
@@ -3967,16 +3554,6 @@
               </a:rPr>
               <a:t> проект на тему</a:t>
             </a:r>
-            <a:endParaRPr lang="ru-RU" sz="2400" dirty="0">
-              <a:ln w="0"/>
-              <a:effectLst>
-                <a:outerShdw blurRad="38100" dist="19050" dir="2700000" algn="tl" rotWithShape="0">
-                  <a:schemeClr val="dk1">
-                    <a:alpha val="40000"/>
-                  </a:schemeClr>
-                </a:outerShdw>
-              </a:effectLst>
-            </a:endParaRPr>
           </a:p>
         </p:txBody>
       </p:sp>
@@ -3990,13 +3567,6 @@
   <p:clrMapOvr>
     <a:masterClrMapping/>
   </p:clrMapOvr>
-  <p:timing>
-    <p:tnLst>
-      <p:par>
-        <p:cTn id="1" dur="indefinite" restart="never" nodeType="tmRoot"/>
-      </p:par>
-    </p:tnLst>
-  </p:timing>
 </p:sld>
 </file>
 
@@ -4055,7 +3625,7 @@
           <a:p>
             <a:pPr algn="ctr"/>
             <a:r>
-              <a:rPr lang="uk-UA" sz="4800" b="1" spc="50" dirty="0" smtClean="0">
+              <a:rPr lang="uk-UA" sz="4800" b="1" spc="50" dirty="0">
                 <a:ln w="11430"/>
                 <a:solidFill>
                   <a:srgbClr val="002060"/>
@@ -4289,7 +3859,7 @@
             <a:p>
               <a:pPr algn="l"/>
               <a:r>
-                <a:rPr lang="uk-UA" sz="2400" dirty="0" smtClean="0"/>
+                <a:rPr lang="uk-UA" sz="2400" dirty="0"/>
                 <a:t>Зняття/поповнення особистого рахунку</a:t>
               </a:r>
               <a:endParaRPr lang="en-US" sz="2400" dirty="0"/>
@@ -4514,7 +4084,7 @@
           <p:spPr bwMode="gray">
             <a:xfrm>
               <a:off x="1947" y="1772"/>
-              <a:ext cx="5809" cy="1221"/>
+              <a:ext cx="5809" cy="994"/>
             </a:xfrm>
             <a:prstGeom prst="rect">
               <a:avLst/>
@@ -4569,356 +4139,10 @@
                     </a:outerShdw>
                   </a:effectLst>
                 </a:rPr>
-                <a:t>З використанням технології </a:t>
+                <a:t>Розробка програмного забезпечення, яке реалізує довідник для клієнтів банку на мові програмування С# з використанням принципів OOП.</a:t>
               </a:r>
-              <a:r>
-                <a:rPr lang="uk-UA" sz="2400" dirty="0" smtClean="0">
-                  <a:effectLst>
-                    <a:outerShdw blurRad="38100" dist="38100" dir="2700000" algn="tl">
-                      <a:srgbClr val="000000">
-                        <a:alpha val="43137"/>
-                      </a:srgbClr>
-                    </a:outerShdw>
-                  </a:effectLst>
-                </a:rPr>
-                <a:t>ООП, </a:t>
-              </a:r>
-              <a:r>
-                <a:rPr lang="uk-UA" sz="2400" dirty="0">
-                  <a:effectLst>
-                    <a:outerShdw blurRad="38100" dist="38100" dir="2700000" algn="tl">
-                      <a:srgbClr val="000000">
-                        <a:alpha val="43137"/>
-                      </a:srgbClr>
-                    </a:outerShdw>
-                  </a:effectLst>
-                </a:rPr>
-                <a:t>розробити проект, головною </a:t>
-              </a:r>
-              <a:r>
-                <a:rPr lang="ru-RU" sz="2400" dirty="0">
-                  <a:effectLst>
-                    <a:outerShdw blurRad="38100" dist="38100" dir="2700000" algn="tl">
-                      <a:srgbClr val="000000">
-                        <a:alpha val="43137"/>
-                      </a:srgbClr>
-                    </a:outerShdw>
-                  </a:effectLst>
-                </a:rPr>
-                <a:t>метою </a:t>
-              </a:r>
-              <a:r>
-                <a:rPr lang="ru-RU" sz="2400" dirty="0" err="1">
-                  <a:effectLst>
-                    <a:outerShdw blurRad="38100" dist="38100" dir="2700000" algn="tl">
-                      <a:srgbClr val="000000">
-                        <a:alpha val="43137"/>
-                      </a:srgbClr>
-                    </a:outerShdw>
-                  </a:effectLst>
-                </a:rPr>
-                <a:t>якого</a:t>
-              </a:r>
-              <a:r>
-                <a:rPr lang="ru-RU" sz="2400" dirty="0">
-                  <a:effectLst>
-                    <a:outerShdw blurRad="38100" dist="38100" dir="2700000" algn="tl">
-                      <a:srgbClr val="000000">
-                        <a:alpha val="43137"/>
-                      </a:srgbClr>
-                    </a:outerShdw>
-                  </a:effectLst>
-                </a:rPr>
-                <a:t> є </a:t>
-              </a:r>
-              <a:r>
-                <a:rPr lang="ru-RU" sz="2400" dirty="0" err="1">
-                  <a:effectLst>
-                    <a:outerShdw blurRad="38100" dist="38100" dir="2700000" algn="tl">
-                      <a:srgbClr val="000000">
-                        <a:alpha val="43137"/>
-                      </a:srgbClr>
-                    </a:outerShdw>
-                  </a:effectLst>
-                </a:rPr>
-                <a:t>Моделювання</a:t>
-              </a:r>
-              <a:r>
-                <a:rPr lang="ru-RU" sz="2400" dirty="0">
-                  <a:effectLst>
-                    <a:outerShdw blurRad="38100" dist="38100" dir="2700000" algn="tl">
-                      <a:srgbClr val="000000">
-                        <a:alpha val="43137"/>
-                      </a:srgbClr>
-                    </a:outerShdw>
-                  </a:effectLst>
-                </a:rPr>
-                <a:t> </a:t>
-              </a:r>
-              <a:r>
-                <a:rPr lang="ru-RU" sz="2400" dirty="0" err="1">
-                  <a:effectLst>
-                    <a:outerShdw blurRad="38100" dist="38100" dir="2700000" algn="tl">
-                      <a:srgbClr val="000000">
-                        <a:alpha val="43137"/>
-                      </a:srgbClr>
-                    </a:outerShdw>
-                  </a:effectLst>
-                </a:rPr>
-                <a:t>роботи</a:t>
-              </a:r>
-              <a:r>
-                <a:rPr lang="ru-RU" sz="2400" dirty="0">
-                  <a:effectLst>
-                    <a:outerShdw blurRad="38100" dist="38100" dir="2700000" algn="tl">
-                      <a:srgbClr val="000000">
-                        <a:alpha val="43137"/>
-                      </a:srgbClr>
-                    </a:outerShdw>
-                  </a:effectLst>
-                </a:rPr>
-                <a:t> банку «</a:t>
-              </a:r>
-              <a:r>
-                <a:rPr lang="ru-RU" sz="2400" dirty="0" err="1">
-                  <a:effectLst>
-                    <a:outerShdw blurRad="38100" dist="38100" dir="2700000" algn="tl">
-                      <a:srgbClr val="000000">
-                        <a:alpha val="43137"/>
-                      </a:srgbClr>
-                    </a:outerShdw>
-                  </a:effectLst>
-                </a:rPr>
-                <a:t>Інтелект</a:t>
-              </a:r>
-              <a:r>
-                <a:rPr lang="ru-RU" sz="2400" dirty="0">
-                  <a:effectLst>
-                    <a:outerShdw blurRad="38100" dist="38100" dir="2700000" algn="tl">
-                      <a:srgbClr val="000000">
-                        <a:alpha val="43137"/>
-                      </a:srgbClr>
-                    </a:outerShdw>
-                  </a:effectLst>
-                </a:rPr>
-                <a:t>», </a:t>
-              </a:r>
-              <a:r>
-                <a:rPr lang="ru-RU" sz="2400" dirty="0" err="1">
-                  <a:effectLst>
-                    <a:outerShdw blurRad="38100" dist="38100" dir="2700000" algn="tl">
-                      <a:srgbClr val="000000">
-                        <a:alpha val="43137"/>
-                      </a:srgbClr>
-                    </a:outerShdw>
-                  </a:effectLst>
-                </a:rPr>
-                <a:t>моделювання</a:t>
-              </a:r>
-              <a:r>
-                <a:rPr lang="ru-RU" sz="2400" dirty="0">
-                  <a:effectLst>
-                    <a:outerShdw blurRad="38100" dist="38100" dir="2700000" algn="tl">
-                      <a:srgbClr val="000000">
-                        <a:alpha val="43137"/>
-                      </a:srgbClr>
-                    </a:outerShdw>
-                  </a:effectLst>
-                </a:rPr>
-                <a:t> банкомату, </a:t>
-              </a:r>
-              <a:r>
-                <a:rPr lang="ru-RU" sz="2400" dirty="0" err="1">
-                  <a:effectLst>
-                    <a:outerShdw blurRad="38100" dist="38100" dir="2700000" algn="tl">
-                      <a:srgbClr val="000000">
-                        <a:alpha val="43137"/>
-                      </a:srgbClr>
-                    </a:outerShdw>
-                  </a:effectLst>
-                </a:rPr>
-                <a:t>вклади</a:t>
-              </a:r>
-              <a:r>
-                <a:rPr lang="ru-RU" sz="2400" dirty="0">
-                  <a:effectLst>
-                    <a:outerShdw blurRad="38100" dist="38100" dir="2700000" algn="tl">
-                      <a:srgbClr val="000000">
-                        <a:alpha val="43137"/>
-                      </a:srgbClr>
-                    </a:outerShdw>
-                  </a:effectLst>
-                </a:rPr>
-                <a:t> і </a:t>
-              </a:r>
-              <a:r>
-                <a:rPr lang="ru-RU" sz="2400" dirty="0" err="1">
-                  <a:effectLst>
-                    <a:outerShdw blurRad="38100" dist="38100" dir="2700000" algn="tl">
-                      <a:srgbClr val="000000">
-                        <a:alpha val="43137"/>
-                      </a:srgbClr>
-                    </a:outerShdw>
-                  </a:effectLst>
-                </a:rPr>
-                <a:t>види</a:t>
-              </a:r>
-              <a:r>
-                <a:rPr lang="ru-RU" sz="2400" dirty="0">
-                  <a:effectLst>
-                    <a:outerShdw blurRad="38100" dist="38100" dir="2700000" algn="tl">
-                      <a:srgbClr val="000000">
-                        <a:alpha val="43137"/>
-                      </a:srgbClr>
-                    </a:outerShdw>
-                  </a:effectLst>
-                </a:rPr>
-                <a:t> </a:t>
-              </a:r>
-              <a:r>
-                <a:rPr lang="ru-RU" sz="2400" dirty="0" err="1">
-                  <a:effectLst>
-                    <a:outerShdw blurRad="38100" dist="38100" dir="2700000" algn="tl">
-                      <a:srgbClr val="000000">
-                        <a:alpha val="43137"/>
-                      </a:srgbClr>
-                    </a:outerShdw>
-                  </a:effectLst>
-                </a:rPr>
-                <a:t>вкладів</a:t>
-              </a:r>
-              <a:r>
-                <a:rPr lang="ru-RU" sz="2400" dirty="0">
-                  <a:effectLst>
-                    <a:outerShdw blurRad="38100" dist="38100" dir="2700000" algn="tl">
-                      <a:srgbClr val="000000">
-                        <a:alpha val="43137"/>
-                      </a:srgbClr>
-                    </a:outerShdw>
-                  </a:effectLst>
-                </a:rPr>
-                <a:t>, </a:t>
-              </a:r>
-              <a:r>
-                <a:rPr lang="ru-RU" sz="2400" dirty="0" err="1">
-                  <a:effectLst>
-                    <a:outerShdw blurRad="38100" dist="38100" dir="2700000" algn="tl">
-                      <a:srgbClr val="000000">
-                        <a:alpha val="43137"/>
-                      </a:srgbClr>
-                    </a:outerShdw>
-                  </a:effectLst>
-                </a:rPr>
-                <a:t>реєстр</a:t>
-              </a:r>
-              <a:r>
-                <a:rPr lang="ru-RU" sz="2400" dirty="0">
-                  <a:effectLst>
-                    <a:outerShdw blurRad="38100" dist="38100" dir="2700000" algn="tl">
-                      <a:srgbClr val="000000">
-                        <a:alpha val="43137"/>
-                      </a:srgbClr>
-                    </a:outerShdw>
-                  </a:effectLst>
-                </a:rPr>
-                <a:t> </a:t>
-              </a:r>
-              <a:r>
-                <a:rPr lang="ru-RU" sz="2400" dirty="0" err="1">
-                  <a:effectLst>
-                    <a:outerShdw blurRad="38100" dist="38100" dir="2700000" algn="tl">
-                      <a:srgbClr val="000000">
-                        <a:alpha val="43137"/>
-                      </a:srgbClr>
-                    </a:outerShdw>
-                  </a:effectLst>
-                </a:rPr>
-                <a:t>рахунків</a:t>
-              </a:r>
-              <a:r>
-                <a:rPr lang="ru-RU" sz="2400" dirty="0">
-                  <a:effectLst>
-                    <a:outerShdw blurRad="38100" dist="38100" dir="2700000" algn="tl">
-                      <a:srgbClr val="000000">
-                        <a:alpha val="43137"/>
-                      </a:srgbClr>
-                    </a:outerShdw>
-                  </a:effectLst>
-                </a:rPr>
-                <a:t> </a:t>
-              </a:r>
-              <a:r>
-                <a:rPr lang="ru-RU" sz="2400" dirty="0" err="1">
-                  <a:effectLst>
-                    <a:outerShdw blurRad="38100" dist="38100" dir="2700000" algn="tl">
-                      <a:srgbClr val="000000">
-                        <a:alpha val="43137"/>
-                      </a:srgbClr>
-                    </a:outerShdw>
-                  </a:effectLst>
-                </a:rPr>
-                <a:t>фізичних</a:t>
-              </a:r>
-              <a:r>
-                <a:rPr lang="ru-RU" sz="2400" dirty="0">
-                  <a:effectLst>
-                    <a:outerShdw blurRad="38100" dist="38100" dir="2700000" algn="tl">
-                      <a:srgbClr val="000000">
-                        <a:alpha val="43137"/>
-                      </a:srgbClr>
-                    </a:outerShdw>
-                  </a:effectLst>
-                </a:rPr>
-                <a:t> та </a:t>
-              </a:r>
-              <a:r>
-                <a:rPr lang="ru-RU" sz="2400" dirty="0" err="1">
-                  <a:effectLst>
-                    <a:outerShdw blurRad="38100" dist="38100" dir="2700000" algn="tl">
-                      <a:srgbClr val="000000">
-                        <a:alpha val="43137"/>
-                      </a:srgbClr>
-                    </a:outerShdw>
-                  </a:effectLst>
-                </a:rPr>
-                <a:t>юридичних</a:t>
-              </a:r>
-              <a:r>
-                <a:rPr lang="ru-RU" sz="2400" dirty="0">
-                  <a:effectLst>
-                    <a:outerShdw blurRad="38100" dist="38100" dir="2700000" algn="tl">
-                      <a:srgbClr val="000000">
-                        <a:alpha val="43137"/>
-                      </a:srgbClr>
-                    </a:outerShdw>
-                  </a:effectLst>
-                </a:rPr>
-                <a:t> </a:t>
-              </a:r>
-              <a:r>
-                <a:rPr lang="ru-RU" sz="2400" dirty="0" err="1">
-                  <a:effectLst>
-                    <a:outerShdw blurRad="38100" dist="38100" dir="2700000" algn="tl">
-                      <a:srgbClr val="000000">
-                        <a:alpha val="43137"/>
-                      </a:srgbClr>
-                    </a:outerShdw>
-                  </a:effectLst>
-                </a:rPr>
-                <a:t>осіб</a:t>
-              </a:r>
-              <a:r>
-                <a:rPr lang="en-US" sz="2400" dirty="0" smtClean="0">
-                  <a:effectLst>
-                    <a:outerShdw blurRad="38100" dist="38100" dir="2700000" algn="tl">
-                      <a:srgbClr val="000000">
-                        <a:alpha val="43137"/>
-                      </a:srgbClr>
-                    </a:outerShdw>
-                  </a:effectLst>
-                </a:rPr>
-                <a:t>. </a:t>
-              </a:r>
+            </a:p>
+            <a:p>
               <a:r>
                 <a:rPr lang="ru-RU" sz="2400" dirty="0" err="1">
                   <a:effectLst>
@@ -5235,11 +4459,11 @@
             <a:p>
               <a:pPr algn="l"/>
               <a:r>
-                <a:rPr lang="uk-UA" sz="2400" dirty="0" err="1" smtClean="0"/>
+                <a:rPr lang="uk-UA" sz="2400" dirty="0" err="1"/>
                 <a:t>Доданна</a:t>
               </a:r>
               <a:r>
-                <a:rPr lang="uk-UA" sz="2400" dirty="0" smtClean="0"/>
+                <a:rPr lang="uk-UA" sz="2400" dirty="0"/>
                 <a:t>, облік клієнтів банку</a:t>
               </a:r>
               <a:endParaRPr lang="en-US" sz="2400" dirty="0"/>
@@ -5511,7 +4735,7 @@
             <a:p>
               <a:pPr algn="l"/>
               <a:r>
-                <a:rPr lang="uk-UA" sz="2400" dirty="0" smtClean="0"/>
+                <a:rPr lang="uk-UA" sz="2400" dirty="0"/>
                 <a:t>Перегляд інформації за власним рахунком</a:t>
               </a:r>
               <a:endParaRPr lang="en-US" sz="2400" dirty="0"/>
@@ -5640,7 +4864,7 @@
           <a:p>
             <a:pPr algn="l"/>
             <a:r>
-              <a:rPr lang="uk-UA" sz="2400" dirty="0" smtClean="0"/>
+              <a:rPr lang="uk-UA" sz="2400" dirty="0"/>
               <a:t>Форма логіну</a:t>
             </a:r>
             <a:endParaRPr lang="en-US" sz="2400" dirty="0"/>
@@ -5657,13 +4881,6 @@
   <p:clrMapOvr>
     <a:masterClrMapping/>
   </p:clrMapOvr>
-  <p:timing>
-    <p:tnLst>
-      <p:par>
-        <p:cTn id="1" dur="indefinite" restart="never" nodeType="tmRoot"/>
-      </p:par>
-    </p:tnLst>
-  </p:timing>
 </p:sld>
 </file>
 
@@ -5717,7 +4934,7 @@
           <a:p>
             <a:pPr algn="ctr"/>
             <a:r>
-              <a:rPr lang="uk-UA" sz="4800" b="1" spc="50" dirty="0" smtClean="0">
+              <a:rPr lang="uk-UA" sz="4800" b="1" spc="50" dirty="0">
                 <a:ln w="11430"/>
                 <a:solidFill>
                   <a:srgbClr val="002060"/>
@@ -5731,24 +4948,7 @@
                 </a:effectLst>
                 <a:latin typeface="+mn-lt"/>
               </a:rPr>
-              <a:t>Коротко про ООП</a:t>
-            </a:r>
-            <a:r>
-              <a:rPr lang="uk-UA" sz="4800" b="1" spc="50" dirty="0" smtClean="0">
-                <a:ln w="11430"/>
-                <a:solidFill>
-                  <a:srgbClr val="002060"/>
-                </a:solidFill>
-                <a:effectLst>
-                  <a:outerShdw blurRad="76200" dist="50800" dir="5400000" algn="tl" rotWithShape="0">
-                    <a:srgbClr val="000000">
-                      <a:alpha val="65000"/>
-                    </a:srgbClr>
-                  </a:outerShdw>
-                </a:effectLst>
-                <a:latin typeface="+mn-lt"/>
-              </a:rPr>
-              <a:t>:</a:t>
+              <a:t>Коротко про ООП:</a:t>
             </a:r>
             <a:endParaRPr lang="ru-RU" sz="4800" b="1" spc="50" dirty="0">
               <a:ln w="11430"/>
@@ -5833,31 +5033,7 @@
                   </a:outerShdw>
                 </a:effectLst>
               </a:rPr>
-              <a:t>Об'єктно-орієнтоване програмування — це метод програмування, заснований на поданні програми у вигляді сукупності взаємодіючих об'єктів, кожен з яких є екземпляром певного класу, а класи є членами певної ієрархії </a:t>
-            </a:r>
-            <a:r>
-              <a:rPr lang="uk-UA" sz="2400" dirty="0" smtClean="0">
-                <a:effectLst>
-                  <a:outerShdw blurRad="38100" dist="38100" dir="2700000" algn="tl">
-                    <a:srgbClr val="000000">
-                      <a:alpha val="43137"/>
-                    </a:srgbClr>
-                  </a:outerShdw>
-                </a:effectLst>
-              </a:rPr>
-              <a:t>наслідування. </a:t>
-            </a:r>
-            <a:r>
-              <a:rPr lang="uk-UA" sz="2400" dirty="0">
-                <a:effectLst>
-                  <a:outerShdw blurRad="38100" dist="38100" dir="2700000" algn="tl">
-                    <a:srgbClr val="000000">
-                      <a:alpha val="43137"/>
-                    </a:srgbClr>
-                  </a:outerShdw>
-                </a:effectLst>
-              </a:rPr>
-              <a:t>Програмісти спочатку пишуть клас, а на його основі при виконанні програми створюються конкретні об'єкти (екземпляри класів). На основі класів можна створювати нові, які розширюють базовий клас і таким чином створюється ієрархія класів.</a:t>
+              <a:t>Об'єктно-орієнтоване програмування — це метод програмування, заснований на поданні програми у вигляді сукупності взаємодіючих об'єктів, кожен з яких є екземпляром певного класу, а класи є членами певної ієрархії наслідування. Програмісти спочатку пишуть клас, а на його основі при виконанні програми створюються конкретні об'єкти (екземпляри класів). На основі класів можна створювати нові, які розширюють базовий клас і таким чином створюється ієрархія класів.</a:t>
             </a:r>
             <a:endParaRPr lang="ru-RU" sz="2400" dirty="0">
               <a:effectLst>
@@ -6010,7 +5186,7 @@
           <a:p>
             <a:pPr algn="ctr"/>
             <a:r>
-              <a:rPr lang="uk-UA" sz="4800" b="1" spc="50" dirty="0" smtClean="0">
+              <a:rPr lang="uk-UA" sz="4800" b="1" spc="50" dirty="0">
                 <a:ln w="11430"/>
                 <a:solidFill>
                   <a:srgbClr val="002060"/>
@@ -6218,10 +5394,9 @@
                 <a:buChar char="q"/>
               </a:pPr>
               <a:r>
-                <a:rPr lang="en-US" sz="2400" dirty="0" smtClean="0"/>
+                <a:rPr lang="en-US" sz="2400" dirty="0"/>
                 <a:t>.NET</a:t>
               </a:r>
-              <a:endParaRPr lang="en-US" sz="2400" dirty="0"/>
             </a:p>
           </p:txBody>
         </p:sp>
@@ -6514,7 +5689,7 @@
                 <a:t> </a:t>
               </a:r>
               <a:r>
-                <a:rPr lang="en-US" sz="2400" dirty="0" smtClean="0">
+                <a:rPr lang="en-US" sz="2400" dirty="0">
                   <a:effectLst>
                     <a:outerShdw blurRad="38100" dist="38100" dir="2700000" algn="tl">
                       <a:srgbClr val="000000">
@@ -6525,15 +5700,6 @@
                 </a:rPr>
                 <a:t>C#</a:t>
               </a:r>
-              <a:endParaRPr lang="en-US" sz="2400" dirty="0">
-                <a:effectLst>
-                  <a:outerShdw blurRad="38100" dist="38100" dir="2700000" algn="tl">
-                    <a:srgbClr val="000000">
-                      <a:alpha val="43137"/>
-                    </a:srgbClr>
-                  </a:outerShdw>
-                </a:effectLst>
-              </a:endParaRPr>
             </a:p>
           </p:txBody>
         </p:sp>
@@ -6594,7 +5760,7 @@
             <a:lstStyle/>
             <a:p>
               <a:r>
-                <a:rPr lang="uk-UA" sz="2400" b="1" dirty="0" smtClean="0"/>
+                <a:rPr lang="uk-UA" sz="2400" b="1" dirty="0"/>
                 <a:t>1</a:t>
               </a:r>
               <a:endParaRPr lang="en-US" sz="2400" b="1" dirty="0"/>
@@ -6811,29 +5977,8 @@
                     </a:outerShdw>
                   </a:effectLst>
                 </a:rPr>
-                <a:t>IDE: </a:t>
+                <a:t>IDE: MVS 2019</a:t>
               </a:r>
-              <a:r>
-                <a:rPr lang="en-US" sz="2400" dirty="0" smtClean="0">
-                  <a:effectLst>
-                    <a:outerShdw blurRad="38100" dist="38100" dir="2700000" algn="tl">
-                      <a:srgbClr val="000000">
-                        <a:alpha val="43137"/>
-                      </a:srgbClr>
-                    </a:outerShdw>
-                  </a:effectLst>
-                </a:rPr>
-                <a:t>MVS 2019</a:t>
-              </a:r>
-              <a:endParaRPr lang="en-US" sz="2400" dirty="0">
-                <a:effectLst>
-                  <a:outerShdw blurRad="38100" dist="38100" dir="2700000" algn="tl">
-                    <a:srgbClr val="000000">
-                      <a:alpha val="43137"/>
-                    </a:srgbClr>
-                  </a:outerShdw>
-                </a:effectLst>
-              </a:endParaRPr>
             </a:p>
           </p:txBody>
         </p:sp>
@@ -6970,7 +6115,7 @@
           <a:p>
             <a:pPr algn="ctr"/>
             <a:r>
-              <a:rPr lang="uk-UA" sz="4800" b="1" spc="50" dirty="0" smtClean="0">
+              <a:rPr lang="uk-UA" sz="4800" b="1" spc="50" dirty="0">
                 <a:ln w="11430"/>
                 <a:solidFill>
                   <a:srgbClr val="002060"/>
@@ -6984,24 +6129,7 @@
                 </a:effectLst>
                 <a:latin typeface="+mn-lt"/>
               </a:rPr>
-              <a:t>Діаграма використання</a:t>
-            </a:r>
-            <a:r>
-              <a:rPr lang="uk-UA" sz="4800" b="1" spc="50" dirty="0" smtClean="0">
-                <a:ln w="11430"/>
-                <a:solidFill>
-                  <a:srgbClr val="002060"/>
-                </a:solidFill>
-                <a:effectLst>
-                  <a:outerShdw blurRad="76200" dist="50800" dir="5400000" algn="tl" rotWithShape="0">
-                    <a:srgbClr val="000000">
-                      <a:alpha val="65000"/>
-                    </a:srgbClr>
-                  </a:outerShdw>
-                </a:effectLst>
-                <a:latin typeface="+mn-lt"/>
-              </a:rPr>
-              <a:t>:</a:t>
+              <a:t>Діаграма використання:</a:t>
             </a:r>
             <a:endParaRPr lang="ru-RU" sz="4800" b="1" spc="50" dirty="0">
               <a:ln w="11430"/>
@@ -7112,7 +6240,7 @@
           <a:p>
             <a:pPr algn="ctr"/>
             <a:r>
-              <a:rPr lang="uk-UA" sz="4800" b="1" spc="50" dirty="0" smtClean="0">
+              <a:rPr lang="uk-UA" sz="4800" b="1" spc="50" dirty="0">
                 <a:ln w="11430"/>
                 <a:solidFill>
                   <a:srgbClr val="002060"/>
@@ -7126,24 +6254,7 @@
                 </a:effectLst>
                 <a:latin typeface="+mn-lt"/>
               </a:rPr>
-              <a:t>Діаграма класів</a:t>
-            </a:r>
-            <a:r>
-              <a:rPr lang="uk-UA" sz="4800" b="1" spc="50" dirty="0" smtClean="0">
-                <a:ln w="11430"/>
-                <a:solidFill>
-                  <a:srgbClr val="002060"/>
-                </a:solidFill>
-                <a:effectLst>
-                  <a:outerShdw blurRad="76200" dist="50800" dir="5400000" algn="tl" rotWithShape="0">
-                    <a:srgbClr val="000000">
-                      <a:alpha val="65000"/>
-                    </a:srgbClr>
-                  </a:outerShdw>
-                </a:effectLst>
-                <a:latin typeface="+mn-lt"/>
-              </a:rPr>
-              <a:t>:</a:t>
+              <a:t>Діаграма класів:</a:t>
             </a:r>
             <a:endParaRPr lang="ru-RU" sz="4800" b="1" spc="50" dirty="0">
               <a:ln w="11430"/>
@@ -7273,7 +6384,7 @@
           <a:p>
             <a:pPr algn="ctr"/>
             <a:r>
-              <a:rPr lang="uk-UA" sz="4800" b="1" spc="50" dirty="0" smtClean="0">
+              <a:rPr lang="uk-UA" sz="4800" b="1" spc="50" dirty="0">
                 <a:ln w="11430"/>
                 <a:solidFill>
                   <a:srgbClr val="002060"/>
@@ -7486,7 +6597,7 @@
           <a:p>
             <a:pPr algn="ctr"/>
             <a:r>
-              <a:rPr lang="uk-UA" sz="4800" b="1" spc="50" dirty="0" smtClean="0">
+              <a:rPr lang="uk-UA" sz="4800" b="1" spc="50" dirty="0">
                 <a:ln w="11430"/>
                 <a:solidFill>
                   <a:srgbClr val="002060"/>
@@ -7823,7 +6934,7 @@
             <a:lstStyle/>
             <a:p>
               <a:r>
-                <a:rPr lang="uk-UA" sz="2400" b="1" dirty="0" smtClean="0"/>
+                <a:rPr lang="uk-UA" sz="2400" b="1" dirty="0"/>
                 <a:t>1</a:t>
               </a:r>
               <a:endParaRPr lang="en-US" sz="2400" b="1" dirty="0"/>
